--- a/presentation/IBM_ISL_Presentation_Mark III_SmartPay.pptx
+++ b/presentation/IBM_ISL_Presentation_Mark III_SmartPay.pptx
@@ -21,23 +21,31 @@
     <p:sldId id="266" r:id="rId16"/>
     <p:sldId id="267" r:id="rId17"/>
     <p:sldId id="268" r:id="rId18"/>
+    <p:sldId id="269" r:id="rId19"/>
   </p:sldIdLst>
   <p:sldSz cy="5143500" cx="9144000"/>
   <p:notesSz cx="6858000" cy="9144000"/>
   <p:embeddedFontLst>
     <p:embeddedFont>
       <p:font typeface="Montserrat"/>
-      <p:regular r:id="rId19"/>
-      <p:bold r:id="rId20"/>
-      <p:italic r:id="rId21"/>
-      <p:boldItalic r:id="rId22"/>
+      <p:regular r:id="rId20"/>
+      <p:bold r:id="rId21"/>
+      <p:italic r:id="rId22"/>
+      <p:boldItalic r:id="rId23"/>
     </p:embeddedFont>
     <p:embeddedFont>
       <p:font typeface="Lato"/>
-      <p:regular r:id="rId23"/>
-      <p:bold r:id="rId24"/>
-      <p:italic r:id="rId25"/>
-      <p:boldItalic r:id="rId26"/>
+      <p:regular r:id="rId24"/>
+      <p:bold r:id="rId25"/>
+      <p:italic r:id="rId26"/>
+      <p:boldItalic r:id="rId27"/>
+    </p:embeddedFont>
+    <p:embeddedFont>
+      <p:font typeface="Merriweather"/>
+      <p:regular r:id="rId28"/>
+      <p:bold r:id="rId29"/>
+      <p:italic r:id="rId30"/>
+      <p:boldItalic r:id="rId31"/>
     </p:embeddedFont>
   </p:embeddedFontLst>
   <p:defaultTextStyle>
@@ -1129,7 +1137,7 @@
       </p:grpSpPr>
       <p:sp>
         <p:nvSpPr>
-          <p:cNvPr id="211" name="Google Shape;211;gf53059a104_0_0:notes"/>
+          <p:cNvPr id="211" name="Google Shape;211;gf00499a868_4_0:notes"/>
           <p:cNvSpPr/>
           <p:nvPr>
             <p:ph idx="2" type="sldImg"/>
@@ -1164,7 +1172,106 @@
       </p:sp>
       <p:sp>
         <p:nvSpPr>
-          <p:cNvPr id="212" name="Google Shape;212;gf53059a104_0_0:notes"/>
+          <p:cNvPr id="212" name="Google Shape;212;gf00499a868_4_0:notes"/>
+          <p:cNvSpPr txBox="1"/>
+          <p:nvPr>
+            <p:ph idx="1" type="body"/>
+          </p:nvPr>
+        </p:nvSpPr>
+        <p:spPr>
+          <a:xfrm>
+            <a:off x="685800" y="4343400"/>
+            <a:ext cx="5486400" cy="4114800"/>
+          </a:xfrm>
+          <a:prstGeom prst="rect">
+            <a:avLst/>
+          </a:prstGeom>
+        </p:spPr>
+        <p:txBody>
+          <a:bodyPr anchorCtr="0" anchor="t" bIns="91425" lIns="91425" spcFirstLastPara="1" rIns="91425" wrap="square" tIns="91425">
+            <a:noAutofit/>
+          </a:bodyPr>
+          <a:lstStyle/>
+          <a:p>
+            <a:pPr indent="0" lvl="0" marL="0" rtl="0" algn="l">
+              <a:spcBef>
+                <a:spcPts val="0"/>
+              </a:spcBef>
+              <a:spcAft>
+                <a:spcPts val="0"/>
+              </a:spcAft>
+              <a:buNone/>
+            </a:pPr>
+            <a:r>
+              <a:t/>
+            </a:r>
+            <a:endParaRPr/>
+          </a:p>
+        </p:txBody>
+      </p:sp>
+    </p:spTree>
+  </p:cSld>
+  <p:clrMapOvr>
+    <a:masterClrMapping/>
+  </p:clrMapOvr>
+</p:notes>
+</file>
+
+<file path=ppt/notesSlides/notesSlide14.xml><?xml version="1.0" encoding="utf-8"?>
+<p:notes xmlns:a="http://schemas.openxmlformats.org/drawingml/2006/main" xmlns:r="http://schemas.openxmlformats.org/officeDocument/2006/relationships" xmlns:mc="http://schemas.openxmlformats.org/markup-compatibility/2006" xmlns:mv="urn:schemas-microsoft-com:mac:vml" xmlns:p="http://schemas.openxmlformats.org/presentationml/2006/main" xmlns:c="http://schemas.openxmlformats.org/drawingml/2006/chart" xmlns:dgm="http://schemas.openxmlformats.org/drawingml/2006/diagram" xmlns:o="urn:schemas-microsoft-com:office:office" xmlns:v="urn:schemas-microsoft-com:vml" xmlns:pvml="urn:schemas-microsoft-com:office:powerpoint" xmlns:com="http://schemas.openxmlformats.org/drawingml/2006/compatibility" xmlns:p14="http://schemas.microsoft.com/office/powerpoint/2010/main" xmlns:p15="http://schemas.microsoft.com/office/powerpoint/2012/main" xmlns:ahyp="http://schemas.microsoft.com/office/drawing/2018/hyperlinkcolor" showMasterPhAnim="0" showMasterSp="0">
+  <p:cSld>
+    <p:spTree>
+      <p:nvGrpSpPr>
+        <p:cNvPr id="216" name="Shape 216"/>
+        <p:cNvGrpSpPr/>
+        <p:nvPr/>
+      </p:nvGrpSpPr>
+      <p:grpSpPr>
+        <a:xfrm>
+          <a:off x="0" y="0"/>
+          <a:ext cx="0" cy="0"/>
+          <a:chOff x="0" y="0"/>
+          <a:chExt cx="0" cy="0"/>
+        </a:xfrm>
+      </p:grpSpPr>
+      <p:sp>
+        <p:nvSpPr>
+          <p:cNvPr id="217" name="Google Shape;217;gf53059a104_0_0:notes"/>
+          <p:cNvSpPr/>
+          <p:nvPr>
+            <p:ph idx="2" type="sldImg"/>
+          </p:nvPr>
+        </p:nvSpPr>
+        <p:spPr>
+          <a:xfrm>
+            <a:off x="381300" y="685800"/>
+            <a:ext cx="6096000" cy="3429000"/>
+          </a:xfrm>
+          <a:custGeom>
+            <a:rect b="b" l="l" r="r" t="t"/>
+            <a:pathLst>
+              <a:path extrusionOk="0" h="120000" w="120000">
+                <a:moveTo>
+                  <a:pt x="0" y="0"/>
+                </a:moveTo>
+                <a:lnTo>
+                  <a:pt x="120000" y="0"/>
+                </a:lnTo>
+                <a:lnTo>
+                  <a:pt x="120000" y="120000"/>
+                </a:lnTo>
+                <a:lnTo>
+                  <a:pt x="0" y="120000"/>
+                </a:lnTo>
+                <a:close/>
+              </a:path>
+            </a:pathLst>
+          </a:custGeom>
+        </p:spPr>
+      </p:sp>
+      <p:sp>
+        <p:nvSpPr>
+          <p:cNvPr id="218" name="Google Shape;218;gf53059a104_0_0:notes"/>
           <p:cNvSpPr txBox="1"/>
           <p:nvPr>
             <p:ph idx="1" type="body"/>
@@ -10883,6 +10990,13 @@
 <file path=ppt/slides/slide1.xml><?xml version="1.0" encoding="utf-8"?>
 <p:sld xmlns:a="http://schemas.openxmlformats.org/drawingml/2006/main" xmlns:r="http://schemas.openxmlformats.org/officeDocument/2006/relationships" xmlns:mc="http://schemas.openxmlformats.org/markup-compatibility/2006" xmlns:mv="urn:schemas-microsoft-com:mac:vml" xmlns:p="http://schemas.openxmlformats.org/presentationml/2006/main" xmlns:c="http://schemas.openxmlformats.org/drawingml/2006/chart" xmlns:dgm="http://schemas.openxmlformats.org/drawingml/2006/diagram" xmlns:o="urn:schemas-microsoft-com:office:office" xmlns:v="urn:schemas-microsoft-com:vml" xmlns:pvml="urn:schemas-microsoft-com:office:powerpoint" xmlns:com="http://schemas.openxmlformats.org/drawingml/2006/compatibility" xmlns:p14="http://schemas.microsoft.com/office/powerpoint/2010/main" xmlns:p15="http://schemas.microsoft.com/office/powerpoint/2012/main" xmlns:ahyp="http://schemas.microsoft.com/office/drawing/2018/hyperlinkcolor">
   <p:cSld>
+    <p:bg>
+      <p:bgPr>
+        <a:solidFill>
+          <a:srgbClr val="11294A"/>
+        </a:solidFill>
+      </p:bgPr>
+    </p:bg>
     <p:spTree>
       <p:nvGrpSpPr>
         <p:cNvPr id="139" name="Shape 139"/>
@@ -11687,7 +11801,7 @@
             </a:pPr>
             <a:r>
               <a:rPr lang="en" sz="1700"/>
-              <a:t>Human errors on updation of data and detailscan lead to problems.</a:t>
+              <a:t>Human errors on updation of data and details can lead to problems.</a:t>
             </a:r>
             <a:endParaRPr sz="1700"/>
           </a:p>
@@ -11796,7 +11910,7 @@
             </a:pPr>
             <a:r>
               <a:rPr lang="en" sz="1700"/>
-              <a:t>Traditional approach of fee management requires lot of effort.</a:t>
+              <a:t>Traditional approach of fee management requires a lot of effort.</a:t>
             </a:r>
             <a:endParaRPr sz="1700"/>
           </a:p>
@@ -11935,6 +12049,159 @@
         </p:nvSpPr>
         <p:spPr>
           <a:xfrm>
+            <a:off x="1884750" y="711325"/>
+            <a:ext cx="6947700" cy="996000"/>
+          </a:xfrm>
+          <a:prstGeom prst="rect">
+            <a:avLst/>
+          </a:prstGeom>
+        </p:spPr>
+        <p:txBody>
+          <a:bodyPr anchorCtr="0" anchor="b" bIns="91425" lIns="91425" spcFirstLastPara="1" rIns="91425" wrap="square" tIns="91425">
+            <a:normAutofit/>
+          </a:bodyPr>
+          <a:lstStyle/>
+          <a:p>
+            <a:pPr indent="0" lvl="0" marL="0" rtl="0" algn="l">
+              <a:spcBef>
+                <a:spcPts val="0"/>
+              </a:spcBef>
+              <a:spcAft>
+                <a:spcPts val="0"/>
+              </a:spcAft>
+              <a:buNone/>
+            </a:pPr>
+            <a:r>
+              <a:rPr lang="en"/>
+              <a:t>Contributions</a:t>
+            </a:r>
+            <a:endParaRPr/>
+          </a:p>
+        </p:txBody>
+      </p:sp>
+      <p:sp>
+        <p:nvSpPr>
+          <p:cNvPr id="215" name="Google Shape;215;p26"/>
+          <p:cNvSpPr txBox="1"/>
+          <p:nvPr>
+            <p:ph idx="1" type="body"/>
+          </p:nvPr>
+        </p:nvSpPr>
+        <p:spPr>
+          <a:xfrm>
+            <a:off x="1884750" y="1825575"/>
+            <a:ext cx="6947700" cy="2743200"/>
+          </a:xfrm>
+          <a:prstGeom prst="rect">
+            <a:avLst/>
+          </a:prstGeom>
+        </p:spPr>
+        <p:txBody>
+          <a:bodyPr anchorCtr="0" anchor="t" bIns="91425" lIns="91425" spcFirstLastPara="1" rIns="91425" wrap="square" tIns="91425">
+            <a:normAutofit/>
+          </a:bodyPr>
+          <a:lstStyle/>
+          <a:p>
+            <a:pPr indent="0" lvl="0" marL="0" rtl="0" algn="l">
+              <a:spcBef>
+                <a:spcPts val="0"/>
+              </a:spcBef>
+              <a:spcAft>
+                <a:spcPts val="0"/>
+              </a:spcAft>
+              <a:buNone/>
+            </a:pPr>
+            <a:r>
+              <a:rPr lang="en"/>
+              <a:t>Dona Mathew - Ideation,PPT Creation,Video Creation</a:t>
+            </a:r>
+            <a:endParaRPr/>
+          </a:p>
+          <a:p>
+            <a:pPr indent="0" lvl="0" marL="0" rtl="0" algn="l">
+              <a:spcBef>
+                <a:spcPts val="1600"/>
+              </a:spcBef>
+              <a:spcAft>
+                <a:spcPts val="0"/>
+              </a:spcAft>
+              <a:buNone/>
+            </a:pPr>
+            <a:r>
+              <a:rPr lang="en"/>
+              <a:t>Mohammed Mikdhad C - Ideation, UI design-prototype , Coding </a:t>
+            </a:r>
+            <a:endParaRPr/>
+          </a:p>
+          <a:p>
+            <a:pPr indent="0" lvl="0" marL="0" rtl="0" algn="l">
+              <a:spcBef>
+                <a:spcPts val="1600"/>
+              </a:spcBef>
+              <a:spcAft>
+                <a:spcPts val="0"/>
+              </a:spcAft>
+              <a:buNone/>
+            </a:pPr>
+            <a:r>
+              <a:rPr lang="en"/>
+              <a:t>Nikitha Raj -Ideation,Coding,PPT Creation</a:t>
+            </a:r>
+            <a:endParaRPr/>
+          </a:p>
+          <a:p>
+            <a:pPr indent="0" lvl="0" marL="0" rtl="0" algn="l">
+              <a:spcBef>
+                <a:spcPts val="1600"/>
+              </a:spcBef>
+              <a:spcAft>
+                <a:spcPts val="1600"/>
+              </a:spcAft>
+              <a:buNone/>
+            </a:pPr>
+            <a:r>
+              <a:rPr lang="en"/>
+              <a:t>Sruthy J Mallya - Ideation,UI design,PPT and Video Creation</a:t>
+            </a:r>
+            <a:endParaRPr/>
+          </a:p>
+        </p:txBody>
+      </p:sp>
+    </p:spTree>
+  </p:cSld>
+  <p:clrMapOvr>
+    <a:masterClrMapping/>
+  </p:clrMapOvr>
+</p:sld>
+</file>
+
+<file path=ppt/slides/slide14.xml><?xml version="1.0" encoding="utf-8"?>
+<p:sld xmlns:a="http://schemas.openxmlformats.org/drawingml/2006/main" xmlns:r="http://schemas.openxmlformats.org/officeDocument/2006/relationships" xmlns:mc="http://schemas.openxmlformats.org/markup-compatibility/2006" xmlns:mv="urn:schemas-microsoft-com:mac:vml" xmlns:p="http://schemas.openxmlformats.org/presentationml/2006/main" xmlns:c="http://schemas.openxmlformats.org/drawingml/2006/chart" xmlns:dgm="http://schemas.openxmlformats.org/drawingml/2006/diagram" xmlns:o="urn:schemas-microsoft-com:office:office" xmlns:v="urn:schemas-microsoft-com:vml" xmlns:pvml="urn:schemas-microsoft-com:office:powerpoint" xmlns:com="http://schemas.openxmlformats.org/drawingml/2006/compatibility" xmlns:p14="http://schemas.microsoft.com/office/powerpoint/2010/main" xmlns:p15="http://schemas.microsoft.com/office/powerpoint/2012/main" xmlns:ahyp="http://schemas.microsoft.com/office/drawing/2018/hyperlinkcolor">
+  <p:cSld>
+    <p:spTree>
+      <p:nvGrpSpPr>
+        <p:cNvPr id="219" name="Shape 219"/>
+        <p:cNvGrpSpPr/>
+        <p:nvPr/>
+      </p:nvGrpSpPr>
+      <p:grpSpPr>
+        <a:xfrm>
+          <a:off x="0" y="0"/>
+          <a:ext cx="0" cy="0"/>
+          <a:chOff x="0" y="0"/>
+          <a:chExt cx="0" cy="0"/>
+        </a:xfrm>
+      </p:grpSpPr>
+      <p:sp>
+        <p:nvSpPr>
+          <p:cNvPr id="220" name="Google Shape;220;p27"/>
+          <p:cNvSpPr txBox="1"/>
+          <p:nvPr>
+            <p:ph type="ctrTitle"/>
+          </p:nvPr>
+        </p:nvSpPr>
+        <p:spPr>
+          <a:xfrm>
             <a:off x="1203825" y="272250"/>
             <a:ext cx="7454100" cy="4397700"/>
           </a:xfrm>
@@ -11958,10 +12225,20 @@
               <a:buNone/>
             </a:pPr>
             <a:r>
-              <a:rPr b="1" i="1" lang="en"/>
-              <a:t>We would like to thank our dearest mentors  Mr.Manoj Jain and Mr.Shreekant Prasad for their whole hearted support and guidance.</a:t>
-            </a:r>
-            <a:endParaRPr b="1" i="1"/>
+              <a:rPr b="1" i="1" lang="en">
+                <a:latin typeface="Merriweather"/>
+                <a:ea typeface="Merriweather"/>
+                <a:cs typeface="Merriweather"/>
+                <a:sym typeface="Merriweather"/>
+              </a:rPr>
+              <a:t>We would like to thank our </a:t>
+            </a:r>
+            <a:endParaRPr b="1" i="1">
+              <a:latin typeface="Merriweather"/>
+              <a:ea typeface="Merriweather"/>
+              <a:cs typeface="Merriweather"/>
+              <a:sym typeface="Merriweather"/>
+            </a:endParaRPr>
           </a:p>
           <a:p>
             <a:pPr indent="0" lvl="0" marL="0" rtl="0" algn="ctr">
@@ -11974,9 +12251,20 @@
               <a:buNone/>
             </a:pPr>
             <a:r>
-              <a:t/>
-            </a:r>
-            <a:endParaRPr b="1" i="1"/>
+              <a:rPr b="1" i="1" lang="en">
+                <a:latin typeface="Merriweather"/>
+                <a:ea typeface="Merriweather"/>
+                <a:cs typeface="Merriweather"/>
+                <a:sym typeface="Merriweather"/>
+              </a:rPr>
+              <a:t>dearest mentors </a:t>
+            </a:r>
+            <a:endParaRPr b="1" i="1">
+              <a:latin typeface="Merriweather"/>
+              <a:ea typeface="Merriweather"/>
+              <a:cs typeface="Merriweather"/>
+              <a:sym typeface="Merriweather"/>
+            </a:endParaRPr>
           </a:p>
           <a:p>
             <a:pPr indent="0" lvl="0" marL="0" rtl="0" algn="ctr">
@@ -11989,10 +12277,165 @@
               <a:buNone/>
             </a:pPr>
             <a:r>
-              <a:rPr b="1" i="1" lang="en"/>
+              <a:rPr b="1" i="1" lang="en">
+                <a:latin typeface="Merriweather"/>
+                <a:ea typeface="Merriweather"/>
+                <a:cs typeface="Merriweather"/>
+                <a:sym typeface="Merriweather"/>
+              </a:rPr>
+              <a:t> </a:t>
+            </a:r>
+            <a:r>
+              <a:rPr b="1" i="1" lang="en">
+                <a:solidFill>
+                  <a:srgbClr val="93C47D"/>
+                </a:solidFill>
+                <a:latin typeface="Merriweather"/>
+                <a:ea typeface="Merriweather"/>
+                <a:cs typeface="Merriweather"/>
+                <a:sym typeface="Merriweather"/>
+              </a:rPr>
+              <a:t>Mr.Manoj Jain &amp;</a:t>
+            </a:r>
+            <a:endParaRPr b="1" i="1">
+              <a:solidFill>
+                <a:srgbClr val="93C47D"/>
+              </a:solidFill>
+              <a:latin typeface="Merriweather"/>
+              <a:ea typeface="Merriweather"/>
+              <a:cs typeface="Merriweather"/>
+              <a:sym typeface="Merriweather"/>
+            </a:endParaRPr>
+          </a:p>
+          <a:p>
+            <a:pPr indent="0" lvl="0" marL="0" rtl="0" algn="ctr">
+              <a:spcBef>
+                <a:spcPts val="0"/>
+              </a:spcBef>
+              <a:spcAft>
+                <a:spcPts val="0"/>
+              </a:spcAft>
+              <a:buNone/>
+            </a:pPr>
+            <a:r>
+              <a:rPr b="1" i="1" lang="en">
+                <a:solidFill>
+                  <a:srgbClr val="93C47D"/>
+                </a:solidFill>
+                <a:latin typeface="Merriweather"/>
+                <a:ea typeface="Merriweather"/>
+                <a:cs typeface="Merriweather"/>
+                <a:sym typeface="Merriweather"/>
+              </a:rPr>
+              <a:t> Mr.Shreekant Prasad </a:t>
+            </a:r>
+            <a:endParaRPr b="1" i="1">
+              <a:solidFill>
+                <a:srgbClr val="93C47D"/>
+              </a:solidFill>
+              <a:latin typeface="Merriweather"/>
+              <a:ea typeface="Merriweather"/>
+              <a:cs typeface="Merriweather"/>
+              <a:sym typeface="Merriweather"/>
+            </a:endParaRPr>
+          </a:p>
+          <a:p>
+            <a:pPr indent="0" lvl="0" marL="0" rtl="0" algn="ctr">
+              <a:spcBef>
+                <a:spcPts val="0"/>
+              </a:spcBef>
+              <a:spcAft>
+                <a:spcPts val="0"/>
+              </a:spcAft>
+              <a:buNone/>
+            </a:pPr>
+            <a:r>
+              <a:rPr b="1" i="1" lang="en">
+                <a:latin typeface="Merriweather"/>
+                <a:ea typeface="Merriweather"/>
+                <a:cs typeface="Merriweather"/>
+                <a:sym typeface="Merriweather"/>
+              </a:rPr>
+              <a:t>for their whole hearted support </a:t>
+            </a:r>
+            <a:endParaRPr b="1" i="1">
+              <a:latin typeface="Merriweather"/>
+              <a:ea typeface="Merriweather"/>
+              <a:cs typeface="Merriweather"/>
+              <a:sym typeface="Merriweather"/>
+            </a:endParaRPr>
+          </a:p>
+          <a:p>
+            <a:pPr indent="0" lvl="0" marL="0" rtl="0" algn="ctr">
+              <a:spcBef>
+                <a:spcPts val="0"/>
+              </a:spcBef>
+              <a:spcAft>
+                <a:spcPts val="0"/>
+              </a:spcAft>
+              <a:buNone/>
+            </a:pPr>
+            <a:r>
+              <a:rPr b="1" i="1" lang="en">
+                <a:latin typeface="Merriweather"/>
+                <a:ea typeface="Merriweather"/>
+                <a:cs typeface="Merriweather"/>
+                <a:sym typeface="Merriweather"/>
+              </a:rPr>
+              <a:t>and guidance.</a:t>
+            </a:r>
+            <a:endParaRPr b="1" i="1">
+              <a:latin typeface="Merriweather"/>
+              <a:ea typeface="Merriweather"/>
+              <a:cs typeface="Merriweather"/>
+              <a:sym typeface="Merriweather"/>
+            </a:endParaRPr>
+          </a:p>
+          <a:p>
+            <a:pPr indent="0" lvl="0" marL="0" rtl="0" algn="ctr">
+              <a:spcBef>
+                <a:spcPts val="0"/>
+              </a:spcBef>
+              <a:spcAft>
+                <a:spcPts val="0"/>
+              </a:spcAft>
+              <a:buNone/>
+            </a:pPr>
+            <a:r>
+              <a:t/>
+            </a:r>
+            <a:endParaRPr b="1" i="1">
+              <a:latin typeface="Merriweather"/>
+              <a:ea typeface="Merriweather"/>
+              <a:cs typeface="Merriweather"/>
+              <a:sym typeface="Merriweather"/>
+            </a:endParaRPr>
+          </a:p>
+          <a:p>
+            <a:pPr indent="0" lvl="0" marL="0" rtl="0" algn="ctr">
+              <a:spcBef>
+                <a:spcPts val="0"/>
+              </a:spcBef>
+              <a:spcAft>
+                <a:spcPts val="0"/>
+              </a:spcAft>
+              <a:buNone/>
+            </a:pPr>
+            <a:r>
+              <a:rPr b="1" i="1" lang="en">
+                <a:latin typeface="Merriweather"/>
+                <a:ea typeface="Merriweather"/>
+                <a:cs typeface="Merriweather"/>
+                <a:sym typeface="Merriweather"/>
+              </a:rPr>
               <a:t>Thank you.</a:t>
             </a:r>
-            <a:endParaRPr b="1" i="1"/>
+            <a:endParaRPr b="1" i="1">
+              <a:latin typeface="Merriweather"/>
+              <a:ea typeface="Merriweather"/>
+              <a:cs typeface="Merriweather"/>
+              <a:sym typeface="Merriweather"/>
+            </a:endParaRPr>
           </a:p>
           <a:p>
             <a:pPr indent="0" lvl="0" marL="0" rtl="0" algn="l">
@@ -12022,6 +12465,13 @@
 <file path=ppt/slides/slide2.xml><?xml version="1.0" encoding="utf-8"?>
 <p:sld xmlns:a="http://schemas.openxmlformats.org/drawingml/2006/main" xmlns:r="http://schemas.openxmlformats.org/officeDocument/2006/relationships" xmlns:mc="http://schemas.openxmlformats.org/markup-compatibility/2006" xmlns:mv="urn:schemas-microsoft-com:mac:vml" xmlns:p="http://schemas.openxmlformats.org/presentationml/2006/main" xmlns:c="http://schemas.openxmlformats.org/drawingml/2006/chart" xmlns:dgm="http://schemas.openxmlformats.org/drawingml/2006/diagram" xmlns:o="urn:schemas-microsoft-com:office:office" xmlns:v="urn:schemas-microsoft-com:vml" xmlns:pvml="urn:schemas-microsoft-com:office:powerpoint" xmlns:com="http://schemas.openxmlformats.org/drawingml/2006/compatibility" xmlns:p14="http://schemas.microsoft.com/office/powerpoint/2010/main" xmlns:p15="http://schemas.microsoft.com/office/powerpoint/2012/main" xmlns:ahyp="http://schemas.microsoft.com/office/drawing/2018/hyperlinkcolor">
   <p:cSld>
+    <p:bg>
+      <p:bgPr>
+        <a:solidFill>
+          <a:srgbClr val="11294A"/>
+        </a:solidFill>
+      </p:bgPr>
+    </p:bg>
     <p:spTree>
       <p:nvGrpSpPr>
         <p:cNvPr id="147" name="Shape 147"/>
@@ -12339,6 +12789,13 @@
 <file path=ppt/slides/slide3.xml><?xml version="1.0" encoding="utf-8"?>
 <p:sld xmlns:a="http://schemas.openxmlformats.org/drawingml/2006/main" xmlns:r="http://schemas.openxmlformats.org/officeDocument/2006/relationships" xmlns:mc="http://schemas.openxmlformats.org/markup-compatibility/2006" xmlns:mv="urn:schemas-microsoft-com:mac:vml" xmlns:p="http://schemas.openxmlformats.org/presentationml/2006/main" xmlns:c="http://schemas.openxmlformats.org/drawingml/2006/chart" xmlns:dgm="http://schemas.openxmlformats.org/drawingml/2006/diagram" xmlns:o="urn:schemas-microsoft-com:office:office" xmlns:v="urn:schemas-microsoft-com:vml" xmlns:pvml="urn:schemas-microsoft-com:office:powerpoint" xmlns:com="http://schemas.openxmlformats.org/drawingml/2006/compatibility" xmlns:p14="http://schemas.microsoft.com/office/powerpoint/2010/main" xmlns:p15="http://schemas.microsoft.com/office/powerpoint/2012/main" xmlns:ahyp="http://schemas.microsoft.com/office/drawing/2018/hyperlinkcolor">
   <p:cSld>
+    <p:bg>
+      <p:bgPr>
+        <a:solidFill>
+          <a:srgbClr val="11294A"/>
+        </a:solidFill>
+      </p:bgPr>
+    </p:bg>
     <p:spTree>
       <p:nvGrpSpPr>
         <p:cNvPr id="153" name="Shape 153"/>
@@ -12950,7 +13407,7 @@
         </p:spPr>
         <p:txBody>
           <a:bodyPr anchorCtr="0" anchor="b" bIns="91425" lIns="91425" spcFirstLastPara="1" rIns="91425" wrap="square" tIns="91425">
-            <a:normAutofit/>
+            <a:normAutofit fontScale="90000"/>
           </a:bodyPr>
           <a:lstStyle/>
           <a:p>
@@ -12998,7 +13455,16 @@
               <a:rPr lang="en" sz="2400"/>
               <a:t>Prototype Link : </a:t>
             </a:r>
-            <a:endParaRPr sz="2400"/>
+            <a:r>
+              <a:rPr lang="en" sz="1511" u="sng">
+                <a:solidFill>
+                  <a:schemeClr val="hlink"/>
+                </a:solidFill>
+                <a:hlinkClick r:id="rId3"/>
+              </a:rPr>
+              <a:t>https://www.figma.com/proto/2iyMBrLqwburaYPmTgf1P0/MARK-III?node-id=113%3A561&amp;starting-point-node-id=113%3A561</a:t>
+            </a:r>
+            <a:endParaRPr sz="1511"/>
           </a:p>
         </p:txBody>
       </p:sp>
@@ -13247,7 +13713,7 @@
         </p:spPr>
         <p:txBody>
           <a:bodyPr anchorCtr="0" anchor="b" bIns="91425" lIns="91425" spcFirstLastPara="1" rIns="91425" wrap="square" tIns="91425">
-            <a:normAutofit/>
+            <a:normAutofit fontScale="90000"/>
           </a:bodyPr>
           <a:lstStyle/>
           <a:p>
@@ -13262,7 +13728,7 @@
             </a:pPr>
             <a:r>
               <a:rPr lang="en"/>
-              <a:t>Link to Github Repository</a:t>
+              <a:t>Link to Github Repository and Video</a:t>
             </a:r>
             <a:endParaRPr/>
           </a:p>
@@ -13287,75 +13753,53 @@
         </p:spPr>
         <p:txBody>
           <a:bodyPr anchorCtr="0" anchor="t" bIns="91425" lIns="91425" spcFirstLastPara="1" rIns="91425" wrap="square" tIns="91425">
-            <a:normAutofit/>
+            <a:noAutofit/>
           </a:bodyPr>
           <a:lstStyle/>
           <a:p>
             <a:pPr indent="0" lvl="0" marL="0" rtl="0" algn="ctr">
-              <a:spcBef>
-                <a:spcPts val="0"/>
-              </a:spcBef>
-              <a:spcAft>
-                <a:spcPts val="0"/>
-              </a:spcAft>
+              <a:lnSpc>
+                <a:spcPct val="95000"/>
+              </a:lnSpc>
+              <a:spcBef>
+                <a:spcPts val="0"/>
+              </a:spcBef>
+              <a:spcAft>
+                <a:spcPts val="0"/>
+              </a:spcAft>
+              <a:buSzPts val="935"/>
               <a:buNone/>
             </a:pPr>
             <a:r>
-              <a:t/>
-            </a:r>
-            <a:endParaRPr sz="2000"/>
+              <a:rPr lang="en" sz="1900"/>
+              <a:t>You can find all our code and further </a:t>
+            </a:r>
+            <a:r>
+              <a:rPr lang="en" sz="1900"/>
+              <a:t>details</a:t>
+            </a:r>
+            <a:r>
+              <a:rPr lang="en" sz="1900"/>
+              <a:t> of this project at</a:t>
+            </a:r>
+            <a:endParaRPr sz="1900"/>
           </a:p>
           <a:p>
             <a:pPr indent="0" lvl="0" marL="0" rtl="0" algn="ctr">
+              <a:lnSpc>
+                <a:spcPct val="95000"/>
+              </a:lnSpc>
               <a:spcBef>
                 <a:spcPts val="1600"/>
               </a:spcBef>
               <a:spcAft>
                 <a:spcPts val="0"/>
               </a:spcAft>
+              <a:buSzPts val="935"/>
               <a:buNone/>
             </a:pPr>
             <a:r>
-              <a:rPr lang="en" sz="2000"/>
-              <a:t>You can find all our code and further </a:t>
-            </a:r>
-            <a:r>
-              <a:rPr lang="en" sz="2000"/>
-              <a:t>details</a:t>
-            </a:r>
-            <a:r>
-              <a:rPr lang="en" sz="2000"/>
-              <a:t> of this project at</a:t>
-            </a:r>
-            <a:endParaRPr sz="2000"/>
-          </a:p>
-          <a:p>
-            <a:pPr indent="0" lvl="0" marL="0" rtl="0" algn="ctr">
-              <a:spcBef>
-                <a:spcPts val="1600"/>
-              </a:spcBef>
-              <a:spcAft>
-                <a:spcPts val="0"/>
-              </a:spcAft>
-              <a:buNone/>
-            </a:pPr>
-            <a:r>
-              <a:t/>
-            </a:r>
-            <a:endParaRPr sz="2000"/>
-          </a:p>
-          <a:p>
-            <a:pPr indent="0" lvl="0" marL="0" rtl="0" algn="ctr">
-              <a:spcBef>
-                <a:spcPts val="1600"/>
-              </a:spcBef>
-              <a:spcAft>
-                <a:spcPts val="1600"/>
-              </a:spcAft>
-              <a:buNone/>
-            </a:pPr>
-            <a:r>
-              <a:rPr lang="en" sz="2000" u="sng">
+              <a:rPr lang="en" sz="1900" u="sng">
                 <a:solidFill>
                   <a:schemeClr val="hlink"/>
                 </a:solidFill>
@@ -13363,7 +13807,90 @@
               </a:rPr>
               <a:t>https://github.com/NikithaRajS/smart_pay</a:t>
             </a:r>
-            <a:endParaRPr sz="2000"/>
+            <a:endParaRPr sz="1900"/>
+          </a:p>
+          <a:p>
+            <a:pPr indent="0" lvl="0" marL="0" rtl="0" algn="ctr">
+              <a:lnSpc>
+                <a:spcPct val="95000"/>
+              </a:lnSpc>
+              <a:spcBef>
+                <a:spcPts val="1600"/>
+              </a:spcBef>
+              <a:spcAft>
+                <a:spcPts val="0"/>
+              </a:spcAft>
+              <a:buSzPts val="935"/>
+              <a:buNone/>
+            </a:pPr>
+            <a:r>
+              <a:rPr lang="en" sz="1900"/>
+              <a:t>You can find the  our video demo at</a:t>
+            </a:r>
+            <a:endParaRPr sz="1900"/>
+          </a:p>
+          <a:p>
+            <a:pPr indent="0" lvl="0" marL="0" rtl="0" algn="ctr">
+              <a:lnSpc>
+                <a:spcPct val="95000"/>
+              </a:lnSpc>
+              <a:spcBef>
+                <a:spcPts val="1600"/>
+              </a:spcBef>
+              <a:spcAft>
+                <a:spcPts val="0"/>
+              </a:spcAft>
+              <a:buSzPts val="935"/>
+              <a:buNone/>
+            </a:pPr>
+            <a:r>
+              <a:rPr lang="en" sz="1900" u="sng">
+                <a:solidFill>
+                  <a:schemeClr val="hlink"/>
+                </a:solidFill>
+                <a:hlinkClick r:id="rId4"/>
+              </a:rPr>
+              <a:t>https://app.animaker.com/video/27HWV20Z0UN6BGTB</a:t>
+            </a:r>
+            <a:endParaRPr sz="1900"/>
+          </a:p>
+          <a:p>
+            <a:pPr indent="0" lvl="0" marL="0" rtl="0" algn="ctr">
+              <a:lnSpc>
+                <a:spcPct val="95000"/>
+              </a:lnSpc>
+              <a:spcBef>
+                <a:spcPts val="1600"/>
+              </a:spcBef>
+              <a:spcAft>
+                <a:spcPts val="0"/>
+              </a:spcAft>
+              <a:buSzPts val="935"/>
+              <a:buNone/>
+            </a:pPr>
+            <a:r>
+              <a:t/>
+            </a:r>
+            <a:endParaRPr sz="1900"/>
+          </a:p>
+          <a:p>
+            <a:pPr indent="0" lvl="0" marL="0" rtl="0" algn="ctr">
+              <a:lnSpc>
+                <a:spcPct val="95000"/>
+              </a:lnSpc>
+              <a:spcBef>
+                <a:spcPts val="1600"/>
+              </a:spcBef>
+              <a:spcAft>
+                <a:spcPts val="1600"/>
+              </a:spcAft>
+              <a:buSzPts val="935"/>
+              <a:buNone/>
+            </a:pPr>
+            <a:r>
+              <a:t/>
+            </a:r>
+            <a:endParaRPr sz="1700"/>
           </a:p>
         </p:txBody>
       </p:sp>
